--- a/無言的讚頌.pptx
+++ b/無言的讚頌.pptx
@@ -290,7 +290,7 @@
             <a:fld id="{E1B3A8EC-2A09-46EF-AE62-B49DD18FB99A}" type="datetimeFigureOut">
               <a:rPr lang="en-US" smtClean="0"/>
               <a:pPr/>
-              <a:t>2/27/2018</a:t>
+              <a:t>1/12/2019</a:t>
             </a:fld>
             <a:endParaRPr lang="en-US"/>
           </a:p>
@@ -457,7 +457,7 @@
             <a:fld id="{E1B3A8EC-2A09-46EF-AE62-B49DD18FB99A}" type="datetimeFigureOut">
               <a:rPr lang="en-US" smtClean="0"/>
               <a:pPr/>
-              <a:t>2/27/2018</a:t>
+              <a:t>1/12/2019</a:t>
             </a:fld>
             <a:endParaRPr lang="en-US"/>
           </a:p>
@@ -634,7 +634,7 @@
             <a:fld id="{E1B3A8EC-2A09-46EF-AE62-B49DD18FB99A}" type="datetimeFigureOut">
               <a:rPr lang="en-US" smtClean="0"/>
               <a:pPr/>
-              <a:t>2/27/2018</a:t>
+              <a:t>1/12/2019</a:t>
             </a:fld>
             <a:endParaRPr lang="en-US"/>
           </a:p>
@@ -801,7 +801,7 @@
             <a:fld id="{E1B3A8EC-2A09-46EF-AE62-B49DD18FB99A}" type="datetimeFigureOut">
               <a:rPr lang="en-US" smtClean="0"/>
               <a:pPr/>
-              <a:t>2/27/2018</a:t>
+              <a:t>1/12/2019</a:t>
             </a:fld>
             <a:endParaRPr lang="en-US"/>
           </a:p>
@@ -1044,7 +1044,7 @@
             <a:fld id="{E1B3A8EC-2A09-46EF-AE62-B49DD18FB99A}" type="datetimeFigureOut">
               <a:rPr lang="en-US" smtClean="0"/>
               <a:pPr/>
-              <a:t>2/27/2018</a:t>
+              <a:t>1/12/2019</a:t>
             </a:fld>
             <a:endParaRPr lang="en-US"/>
           </a:p>
@@ -1329,7 +1329,7 @@
             <a:fld id="{E1B3A8EC-2A09-46EF-AE62-B49DD18FB99A}" type="datetimeFigureOut">
               <a:rPr lang="en-US" smtClean="0"/>
               <a:pPr/>
-              <a:t>2/27/2018</a:t>
+              <a:t>1/12/2019</a:t>
             </a:fld>
             <a:endParaRPr lang="en-US"/>
           </a:p>
@@ -1748,7 +1748,7 @@
             <a:fld id="{E1B3A8EC-2A09-46EF-AE62-B49DD18FB99A}" type="datetimeFigureOut">
               <a:rPr lang="en-US" smtClean="0"/>
               <a:pPr/>
-              <a:t>2/27/2018</a:t>
+              <a:t>1/12/2019</a:t>
             </a:fld>
             <a:endParaRPr lang="en-US"/>
           </a:p>
@@ -1863,7 +1863,7 @@
             <a:fld id="{E1B3A8EC-2A09-46EF-AE62-B49DD18FB99A}" type="datetimeFigureOut">
               <a:rPr lang="en-US" smtClean="0"/>
               <a:pPr/>
-              <a:t>2/27/2018</a:t>
+              <a:t>1/12/2019</a:t>
             </a:fld>
             <a:endParaRPr lang="en-US"/>
           </a:p>
@@ -1955,7 +1955,7 @@
             <a:fld id="{E1B3A8EC-2A09-46EF-AE62-B49DD18FB99A}" type="datetimeFigureOut">
               <a:rPr lang="en-US" smtClean="0"/>
               <a:pPr/>
-              <a:t>2/27/2018</a:t>
+              <a:t>1/12/2019</a:t>
             </a:fld>
             <a:endParaRPr lang="en-US"/>
           </a:p>
@@ -2229,7 +2229,7 @@
             <a:fld id="{E1B3A8EC-2A09-46EF-AE62-B49DD18FB99A}" type="datetimeFigureOut">
               <a:rPr lang="en-US" smtClean="0"/>
               <a:pPr/>
-              <a:t>2/27/2018</a:t>
+              <a:t>1/12/2019</a:t>
             </a:fld>
             <a:endParaRPr lang="en-US"/>
           </a:p>
@@ -2483,7 +2483,7 @@
             <a:fld id="{E1B3A8EC-2A09-46EF-AE62-B49DD18FB99A}" type="datetimeFigureOut">
               <a:rPr lang="en-US" smtClean="0"/>
               <a:pPr/>
-              <a:t>2/27/2018</a:t>
+              <a:t>1/12/2019</a:t>
             </a:fld>
             <a:endParaRPr lang="en-US"/>
           </a:p>
@@ -2698,7 +2698,7 @@
             <a:fld id="{E1B3A8EC-2A09-46EF-AE62-B49DD18FB99A}" type="datetimeFigureOut">
               <a:rPr lang="en-US" smtClean="0"/>
               <a:pPr/>
-              <a:t>2/27/2018</a:t>
+              <a:t>1/12/2019</a:t>
             </a:fld>
             <a:endParaRPr lang="en-US"/>
           </a:p>
@@ -3088,6 +3088,9 @@
           <a:p>
             <a:r>
               <a:rPr lang="zh-CN" altLang="en-US" b="1" dirty="0">
+                <a:solidFill>
+                  <a:srgbClr val="000066"/>
+                </a:solidFill>
                 <a:latin typeface="微軟正黑體" pitchFamily="34" charset="-120"/>
                 <a:ea typeface="微軟正黑體" pitchFamily="34" charset="-120"/>
               </a:rPr>
@@ -3095,12 +3098,18 @@
             </a:r>
             <a:r>
               <a:rPr lang="zh-CN" altLang="en-US" b="1" dirty="0" smtClean="0">
+                <a:solidFill>
+                  <a:srgbClr val="000066"/>
+                </a:solidFill>
                 <a:latin typeface="微軟正黑體" pitchFamily="34" charset="-120"/>
                 <a:ea typeface="微軟正黑體" pitchFamily="34" charset="-120"/>
               </a:rPr>
               <a:t>頌</a:t>
             </a:r>
             <a:endParaRPr lang="en-US" b="1" dirty="0">
+              <a:solidFill>
+                <a:srgbClr val="000066"/>
+              </a:solidFill>
               <a:latin typeface="微軟正黑體" pitchFamily="34" charset="-120"/>
               <a:ea typeface="微軟正黑體" pitchFamily="34" charset="-120"/>
             </a:endParaRPr>
@@ -3129,6 +3138,9 @@
             </a:pPr>
             <a:r>
               <a:rPr lang="zh-TW" altLang="en-US" sz="5400" b="1" dirty="0">
+                <a:solidFill>
+                  <a:srgbClr val="000066"/>
+                </a:solidFill>
                 <a:latin typeface="微軟正黑體" pitchFamily="34" charset="-120"/>
                 <a:ea typeface="微軟正黑體" pitchFamily="34" charset="-120"/>
               </a:rPr>
@@ -3136,6 +3148,9 @@
             </a:r>
             <a:r>
               <a:rPr lang="zh-TW" altLang="en-US" sz="5400" b="1" dirty="0" smtClean="0">
+                <a:solidFill>
+                  <a:srgbClr val="000066"/>
+                </a:solidFill>
                 <a:latin typeface="微軟正黑體" pitchFamily="34" charset="-120"/>
                 <a:ea typeface="微軟正黑體" pitchFamily="34" charset="-120"/>
               </a:rPr>
@@ -3143,6 +3158,9 @@
             </a:r>
             <a:r>
               <a:rPr lang="zh-TW" altLang="en-US" sz="5400" b="1" dirty="0">
+                <a:solidFill>
+                  <a:srgbClr val="000066"/>
+                </a:solidFill>
                 <a:latin typeface="微軟正黑體" pitchFamily="34" charset="-120"/>
                 <a:ea typeface="微軟正黑體" pitchFamily="34" charset="-120"/>
               </a:rPr>
@@ -3150,12 +3168,18 @@
             </a:r>
             <a:r>
               <a:rPr lang="zh-TW" altLang="en-US" sz="5400" b="1" dirty="0" smtClean="0">
+                <a:solidFill>
+                  <a:srgbClr val="000066"/>
+                </a:solidFill>
                 <a:latin typeface="微軟正黑體" pitchFamily="34" charset="-120"/>
                 <a:ea typeface="微軟正黑體" pitchFamily="34" charset="-120"/>
               </a:rPr>
               <a:t>可聽</a:t>
             </a:r>
             <a:endParaRPr lang="en-US" altLang="zh-TW" sz="5400" b="1" dirty="0">
+              <a:solidFill>
+                <a:srgbClr val="000066"/>
+              </a:solidFill>
               <a:latin typeface="微軟正黑體" pitchFamily="34" charset="-120"/>
               <a:ea typeface="微軟正黑體" pitchFamily="34" charset="-120"/>
             </a:endParaRPr>
@@ -3166,6 +3190,9 @@
             </a:pPr>
             <a:r>
               <a:rPr lang="zh-TW" altLang="en-US" sz="5400" b="1" dirty="0" smtClean="0">
+                <a:solidFill>
+                  <a:srgbClr val="000066"/>
+                </a:solidFill>
                 <a:latin typeface="微軟正黑體" pitchFamily="34" charset="-120"/>
                 <a:ea typeface="微軟正黑體" pitchFamily="34" charset="-120"/>
               </a:rPr>
@@ -3173,6 +3200,9 @@
             </a:r>
             <a:r>
               <a:rPr lang="zh-TW" altLang="en-US" sz="5400" b="1" dirty="0">
+                <a:solidFill>
+                  <a:srgbClr val="000066"/>
+                </a:solidFill>
                 <a:latin typeface="微軟正黑體" pitchFamily="34" charset="-120"/>
                 <a:ea typeface="微軟正黑體" pitchFamily="34" charset="-120"/>
               </a:rPr>
@@ -3180,6 +3210,9 @@
             </a:r>
             <a:r>
               <a:rPr lang="zh-TW" altLang="en-US" sz="5400" b="1" dirty="0" smtClean="0">
+                <a:solidFill>
+                  <a:srgbClr val="000066"/>
+                </a:solidFill>
                 <a:latin typeface="微軟正黑體" pitchFamily="34" charset="-120"/>
                 <a:ea typeface="微軟正黑體" pitchFamily="34" charset="-120"/>
               </a:rPr>
@@ -3187,6 +3220,9 @@
             </a:r>
             <a:r>
               <a:rPr lang="zh-TW" altLang="en-US" sz="5400" b="1" dirty="0">
+                <a:solidFill>
+                  <a:srgbClr val="000066"/>
+                </a:solidFill>
                 <a:latin typeface="微軟正黑體" pitchFamily="34" charset="-120"/>
                 <a:ea typeface="微軟正黑體" pitchFamily="34" charset="-120"/>
               </a:rPr>
@@ -3194,12 +3230,18 @@
             </a:r>
             <a:r>
               <a:rPr lang="zh-TW" altLang="en-US" sz="5400" b="1" dirty="0" smtClean="0">
+                <a:solidFill>
+                  <a:srgbClr val="000066"/>
+                </a:solidFill>
                 <a:latin typeface="微軟正黑體" pitchFamily="34" charset="-120"/>
                 <a:ea typeface="微軟正黑體" pitchFamily="34" charset="-120"/>
               </a:rPr>
               <a:t>曉</a:t>
             </a:r>
             <a:endParaRPr lang="en-US" altLang="zh-TW" sz="5400" b="1" dirty="0">
+              <a:solidFill>
+                <a:srgbClr val="000066"/>
+              </a:solidFill>
               <a:latin typeface="微軟正黑體" pitchFamily="34" charset="-120"/>
               <a:ea typeface="微軟正黑體" pitchFamily="34" charset="-120"/>
             </a:endParaRPr>
@@ -3210,6 +3252,9 @@
             </a:pPr>
             <a:r>
               <a:rPr lang="zh-TW" altLang="en-US" sz="5400" b="1" dirty="0" smtClean="0">
+                <a:solidFill>
+                  <a:srgbClr val="000066"/>
+                </a:solidFill>
                 <a:latin typeface="微軟正黑體" pitchFamily="34" charset="-120"/>
                 <a:ea typeface="微軟正黑體" pitchFamily="34" charset="-120"/>
               </a:rPr>
@@ -3217,6 +3262,9 @@
             </a:r>
             <a:r>
               <a:rPr lang="zh-TW" altLang="en-US" sz="5400" b="1" dirty="0">
+                <a:solidFill>
+                  <a:srgbClr val="000066"/>
+                </a:solidFill>
                 <a:latin typeface="微軟正黑體" pitchFamily="34" charset="-120"/>
                 <a:ea typeface="微軟正黑體" pitchFamily="34" charset="-120"/>
               </a:rPr>
@@ -3224,6 +3272,9 @@
             </a:r>
             <a:r>
               <a:rPr lang="zh-TW" altLang="en-US" sz="5400" b="1" dirty="0" smtClean="0">
+                <a:solidFill>
+                  <a:srgbClr val="000066"/>
+                </a:solidFill>
                 <a:latin typeface="微軟正黑體" pitchFamily="34" charset="-120"/>
                 <a:ea typeface="微軟正黑體" pitchFamily="34" charset="-120"/>
               </a:rPr>
@@ -3231,6 +3282,9 @@
             </a:r>
             <a:r>
               <a:rPr lang="zh-TW" altLang="en-US" sz="5400" b="1" dirty="0">
+                <a:solidFill>
+                  <a:srgbClr val="000066"/>
+                </a:solidFill>
                 <a:latin typeface="微軟正黑體" pitchFamily="34" charset="-120"/>
                 <a:ea typeface="微軟正黑體" pitchFamily="34" charset="-120"/>
               </a:rPr>
@@ -3238,12 +3292,18 @@
             </a:r>
             <a:r>
               <a:rPr lang="zh-TW" altLang="en-US" sz="5400" b="1" dirty="0" smtClean="0">
+                <a:solidFill>
+                  <a:srgbClr val="000066"/>
+                </a:solidFill>
                 <a:latin typeface="微軟正黑體" pitchFamily="34" charset="-120"/>
                 <a:ea typeface="微軟正黑體" pitchFamily="34" charset="-120"/>
               </a:rPr>
               <a:t>處</a:t>
             </a:r>
             <a:endParaRPr lang="en-US" altLang="zh-TW" sz="5400" b="1" dirty="0" smtClean="0">
+              <a:solidFill>
+                <a:srgbClr val="000066"/>
+              </a:solidFill>
               <a:latin typeface="微軟正黑體" pitchFamily="34" charset="-120"/>
               <a:ea typeface="微軟正黑體" pitchFamily="34" charset="-120"/>
             </a:endParaRPr>
@@ -3254,6 +3314,9 @@
             </a:pPr>
             <a:r>
               <a:rPr lang="zh-TW" altLang="en-US" sz="5400" b="1" dirty="0" smtClean="0">
+                <a:solidFill>
+                  <a:srgbClr val="000066"/>
+                </a:solidFill>
                 <a:latin typeface="微軟正黑體" pitchFamily="34" charset="-120"/>
                 <a:ea typeface="微軟正黑體" pitchFamily="34" charset="-120"/>
               </a:rPr>
@@ -3261,6 +3324,9 @@
             </a:r>
             <a:r>
               <a:rPr lang="zh-TW" altLang="en-US" sz="5400" b="1" dirty="0">
+                <a:solidFill>
+                  <a:srgbClr val="000066"/>
+                </a:solidFill>
                 <a:latin typeface="微軟正黑體" pitchFamily="34" charset="-120"/>
                 <a:ea typeface="微軟正黑體" pitchFamily="34" charset="-120"/>
               </a:rPr>
@@ -3268,6 +3334,9 @@
             </a:r>
             <a:r>
               <a:rPr lang="zh-TW" altLang="en-US" sz="5400" b="1" dirty="0" smtClean="0">
+                <a:solidFill>
+                  <a:srgbClr val="000066"/>
+                </a:solidFill>
                 <a:latin typeface="微軟正黑體" pitchFamily="34" charset="-120"/>
                 <a:ea typeface="微軟正黑體" pitchFamily="34" charset="-120"/>
               </a:rPr>
@@ -3275,12 +3344,18 @@
             </a:r>
             <a:r>
               <a:rPr lang="zh-TW" altLang="en-US" sz="5400" b="1" dirty="0">
+                <a:solidFill>
+                  <a:srgbClr val="000066"/>
+                </a:solidFill>
                 <a:latin typeface="微軟正黑體" pitchFamily="34" charset="-120"/>
                 <a:ea typeface="微軟正黑體" pitchFamily="34" charset="-120"/>
               </a:rPr>
               <a:t>似日光普照</a:t>
             </a:r>
             <a:endParaRPr lang="en-US" sz="5400" b="1" dirty="0">
+              <a:solidFill>
+                <a:srgbClr val="000066"/>
+              </a:solidFill>
               <a:latin typeface="微軟正黑體" pitchFamily="34" charset="-120"/>
               <a:ea typeface="微軟正黑體" pitchFamily="34" charset="-120"/>
             </a:endParaRPr>
@@ -3331,6 +3406,9 @@
           <a:p>
             <a:r>
               <a:rPr lang="zh-CN" altLang="en-US" b="1" dirty="0">
+                <a:solidFill>
+                  <a:srgbClr val="000066"/>
+                </a:solidFill>
                 <a:latin typeface="微軟正黑體" pitchFamily="34" charset="-120"/>
                 <a:ea typeface="微軟正黑體" pitchFamily="34" charset="-120"/>
               </a:rPr>
@@ -3338,12 +3416,18 @@
             </a:r>
             <a:r>
               <a:rPr lang="zh-CN" altLang="en-US" b="1" dirty="0" smtClean="0">
+                <a:solidFill>
+                  <a:srgbClr val="000066"/>
+                </a:solidFill>
                 <a:latin typeface="微軟正黑體" pitchFamily="34" charset="-120"/>
                 <a:ea typeface="微軟正黑體" pitchFamily="34" charset="-120"/>
               </a:rPr>
               <a:t>頌</a:t>
             </a:r>
             <a:endParaRPr lang="en-US" b="1" dirty="0">
+              <a:solidFill>
+                <a:srgbClr val="000066"/>
+              </a:solidFill>
               <a:latin typeface="微軟正黑體" pitchFamily="34" charset="-120"/>
               <a:ea typeface="微軟正黑體" pitchFamily="34" charset="-120"/>
             </a:endParaRPr>
@@ -3372,6 +3456,9 @@
             </a:pPr>
             <a:r>
               <a:rPr lang="zh-TW" altLang="en-US" sz="5400" b="1" dirty="0">
+                <a:solidFill>
+                  <a:srgbClr val="000066"/>
+                </a:solidFill>
                 <a:latin typeface="微軟正黑體" pitchFamily="34" charset="-120"/>
                 <a:ea typeface="微軟正黑體" pitchFamily="34" charset="-120"/>
               </a:rPr>
@@ -3379,6 +3466,9 @@
             </a:r>
             <a:r>
               <a:rPr lang="zh-TW" altLang="en-US" sz="5400" b="1" dirty="0" smtClean="0">
+                <a:solidFill>
+                  <a:srgbClr val="000066"/>
+                </a:solidFill>
                 <a:latin typeface="微軟正黑體" pitchFamily="34" charset="-120"/>
                 <a:ea typeface="微軟正黑體" pitchFamily="34" charset="-120"/>
               </a:rPr>
@@ -3386,6 +3476,9 @@
             </a:r>
             <a:r>
               <a:rPr lang="zh-TW" altLang="en-US" sz="5400" b="1" dirty="0">
+                <a:solidFill>
+                  <a:srgbClr val="000066"/>
+                </a:solidFill>
                 <a:latin typeface="微軟正黑體" pitchFamily="34" charset="-120"/>
                 <a:ea typeface="微軟正黑體" pitchFamily="34" charset="-120"/>
               </a:rPr>
@@ -3393,12 +3486,18 @@
             </a:r>
             <a:r>
               <a:rPr lang="zh-TW" altLang="en-US" sz="5400" b="1" dirty="0" smtClean="0">
+                <a:solidFill>
+                  <a:srgbClr val="000066"/>
+                </a:solidFill>
                 <a:latin typeface="微軟正黑體" pitchFamily="34" charset="-120"/>
                 <a:ea typeface="微軟正黑體" pitchFamily="34" charset="-120"/>
               </a:rPr>
               <a:t>耀</a:t>
             </a:r>
             <a:endParaRPr lang="en-US" altLang="zh-TW" sz="5400" b="1" dirty="0" smtClean="0">
+              <a:solidFill>
+                <a:srgbClr val="000066"/>
+              </a:solidFill>
               <a:latin typeface="微軟正黑體" pitchFamily="34" charset="-120"/>
               <a:ea typeface="微軟正黑體" pitchFamily="34" charset="-120"/>
             </a:endParaRPr>
@@ -3409,6 +3508,9 @@
             </a:pPr>
             <a:r>
               <a:rPr lang="zh-TW" altLang="en-US" sz="5400" b="1" dirty="0" smtClean="0">
+                <a:solidFill>
+                  <a:srgbClr val="000066"/>
+                </a:solidFill>
                 <a:latin typeface="微軟正黑體" pitchFamily="34" charset="-120"/>
                 <a:ea typeface="微軟正黑體" pitchFamily="34" charset="-120"/>
               </a:rPr>
@@ -3416,6 +3518,9 @@
             </a:r>
             <a:r>
               <a:rPr lang="zh-TW" altLang="en-US" sz="5400" b="1" dirty="0">
+                <a:solidFill>
+                  <a:srgbClr val="000066"/>
+                </a:solidFill>
                 <a:latin typeface="微軟正黑體" pitchFamily="34" charset="-120"/>
                 <a:ea typeface="微軟正黑體" pitchFamily="34" charset="-120"/>
               </a:rPr>
@@ -3423,12 +3528,18 @@
             </a:r>
             <a:r>
               <a:rPr lang="zh-TW" altLang="en-US" sz="5400" b="1" dirty="0" smtClean="0">
+                <a:solidFill>
+                  <a:srgbClr val="000066"/>
+                </a:solidFill>
                 <a:latin typeface="微軟正黑體" pitchFamily="34" charset="-120"/>
                 <a:ea typeface="微軟正黑體" pitchFamily="34" charset="-120"/>
               </a:rPr>
               <a:t>力</a:t>
             </a:r>
             <a:endParaRPr lang="en-US" altLang="zh-TW" sz="5400" b="1" dirty="0">
+              <a:solidFill>
+                <a:srgbClr val="000066"/>
+              </a:solidFill>
               <a:latin typeface="微軟正黑體" pitchFamily="34" charset="-120"/>
               <a:ea typeface="微軟正黑體" pitchFamily="34" charset="-120"/>
             </a:endParaRPr>
@@ -3439,6 +3550,9 @@
             </a:pPr>
             <a:r>
               <a:rPr lang="zh-TW" altLang="en-US" sz="5400" b="1" dirty="0" smtClean="0">
+                <a:solidFill>
+                  <a:srgbClr val="000066"/>
+                </a:solidFill>
                 <a:latin typeface="微軟正黑體" pitchFamily="34" charset="-120"/>
                 <a:ea typeface="微軟正黑體" pitchFamily="34" charset="-120"/>
               </a:rPr>
@@ -3446,6 +3560,9 @@
             </a:r>
             <a:r>
               <a:rPr lang="zh-TW" altLang="en-US" sz="5400" b="1" dirty="0">
+                <a:solidFill>
+                  <a:srgbClr val="000066"/>
+                </a:solidFill>
                 <a:latin typeface="微軟正黑體" pitchFamily="34" charset="-120"/>
                 <a:ea typeface="微軟正黑體" pitchFamily="34" charset="-120"/>
               </a:rPr>
@@ -3453,12 +3570,18 @@
             </a:r>
             <a:r>
               <a:rPr lang="zh-TW" altLang="en-US" sz="5400" b="1" dirty="0" smtClean="0">
+                <a:solidFill>
+                  <a:srgbClr val="000066"/>
+                </a:solidFill>
                 <a:latin typeface="微軟正黑體" pitchFamily="34" charset="-120"/>
                 <a:ea typeface="微軟正黑體" pitchFamily="34" charset="-120"/>
               </a:rPr>
               <a:t>句</a:t>
             </a:r>
             <a:endParaRPr lang="en-US" altLang="zh-TW" sz="5400" b="1" dirty="0" smtClean="0">
+              <a:solidFill>
+                <a:srgbClr val="000066"/>
+              </a:solidFill>
               <a:latin typeface="微軟正黑體" pitchFamily="34" charset="-120"/>
               <a:ea typeface="微軟正黑體" pitchFamily="34" charset="-120"/>
             </a:endParaRPr>
@@ -3469,6 +3592,9 @@
             </a:pPr>
             <a:r>
               <a:rPr lang="zh-TW" altLang="en-US" sz="5400" b="1" dirty="0" smtClean="0">
+                <a:solidFill>
+                  <a:srgbClr val="000066"/>
+                </a:solidFill>
                 <a:latin typeface="微軟正黑體" pitchFamily="34" charset="-120"/>
                 <a:ea typeface="微軟正黑體" pitchFamily="34" charset="-120"/>
               </a:rPr>
@@ -3476,12 +3602,18 @@
             </a:r>
             <a:r>
               <a:rPr lang="zh-TW" altLang="en-US" sz="5400" b="1" dirty="0">
+                <a:solidFill>
+                  <a:srgbClr val="000066"/>
+                </a:solidFill>
                 <a:latin typeface="微軟正黑體" pitchFamily="34" charset="-120"/>
                 <a:ea typeface="微軟正黑體" pitchFamily="34" charset="-120"/>
               </a:rPr>
               <a:t>美全能上帝</a:t>
             </a:r>
             <a:endParaRPr lang="en-US" sz="5400" b="1" dirty="0">
+              <a:solidFill>
+                <a:srgbClr val="000066"/>
+              </a:solidFill>
               <a:latin typeface="微軟正黑體" pitchFamily="34" charset="-120"/>
               <a:ea typeface="微軟正黑體" pitchFamily="34" charset="-120"/>
             </a:endParaRPr>
